--- a/documentazione/Presentazione tesi GreenWay Davide Domenico Montani 890107.pptx
+++ b/documentazione/Presentazione tesi GreenWay Davide Domenico Montani 890107.pptx
@@ -325,7 +325,7 @@
             <a:fld id="{1D8BD707-D9CF-40AE-B4C6-C98DA3205C09}" type="datetimeFigureOut">
               <a:rPr lang="en-US" smtClean="0"/>
               <a:pPr/>
-              <a:t>7/4/2024</a:t>
+              <a:t>7/10/2024</a:t>
             </a:fld>
             <a:endParaRPr lang="en-US"/>
           </a:p>
@@ -490,7 +490,7 @@
             <a:fld id="{1D8BD707-D9CF-40AE-B4C6-C98DA3205C09}" type="datetimeFigureOut">
               <a:rPr lang="en-US" smtClean="0"/>
               <a:pPr/>
-              <a:t>7/4/2024</a:t>
+              <a:t>7/10/2024</a:t>
             </a:fld>
             <a:endParaRPr lang="en-US"/>
           </a:p>
@@ -665,7 +665,7 @@
             <a:fld id="{1D8BD707-D9CF-40AE-B4C6-C98DA3205C09}" type="datetimeFigureOut">
               <a:rPr lang="en-US" smtClean="0"/>
               <a:pPr/>
-              <a:t>7/4/2024</a:t>
+              <a:t>7/10/2024</a:t>
             </a:fld>
             <a:endParaRPr lang="en-US"/>
           </a:p>
@@ -830,7 +830,7 @@
             <a:fld id="{1D8BD707-D9CF-40AE-B4C6-C98DA3205C09}" type="datetimeFigureOut">
               <a:rPr lang="en-US" smtClean="0"/>
               <a:pPr/>
-              <a:t>7/4/2024</a:t>
+              <a:t>7/10/2024</a:t>
             </a:fld>
             <a:endParaRPr lang="en-US"/>
           </a:p>
@@ -1072,7 +1072,7 @@
             <a:fld id="{1D8BD707-D9CF-40AE-B4C6-C98DA3205C09}" type="datetimeFigureOut">
               <a:rPr lang="en-US" smtClean="0"/>
               <a:pPr/>
-              <a:t>7/4/2024</a:t>
+              <a:t>7/10/2024</a:t>
             </a:fld>
             <a:endParaRPr lang="en-US"/>
           </a:p>
@@ -1354,7 +1354,7 @@
             <a:fld id="{1D8BD707-D9CF-40AE-B4C6-C98DA3205C09}" type="datetimeFigureOut">
               <a:rPr lang="en-US" smtClean="0"/>
               <a:pPr/>
-              <a:t>7/4/2024</a:t>
+              <a:t>7/10/2024</a:t>
             </a:fld>
             <a:endParaRPr lang="en-US"/>
           </a:p>
@@ -1770,7 +1770,7 @@
             <a:fld id="{1D8BD707-D9CF-40AE-B4C6-C98DA3205C09}" type="datetimeFigureOut">
               <a:rPr lang="en-US" smtClean="0"/>
               <a:pPr/>
-              <a:t>7/4/2024</a:t>
+              <a:t>7/10/2024</a:t>
             </a:fld>
             <a:endParaRPr lang="en-US"/>
           </a:p>
@@ -1884,7 +1884,7 @@
             <a:fld id="{1D8BD707-D9CF-40AE-B4C6-C98DA3205C09}" type="datetimeFigureOut">
               <a:rPr lang="en-US" smtClean="0"/>
               <a:pPr/>
-              <a:t>7/4/2024</a:t>
+              <a:t>7/10/2024</a:t>
             </a:fld>
             <a:endParaRPr lang="en-US"/>
           </a:p>
@@ -1976,7 +1976,7 @@
             <a:fld id="{1D8BD707-D9CF-40AE-B4C6-C98DA3205C09}" type="datetimeFigureOut">
               <a:rPr lang="en-US" smtClean="0"/>
               <a:pPr/>
-              <a:t>7/4/2024</a:t>
+              <a:t>7/10/2024</a:t>
             </a:fld>
             <a:endParaRPr lang="en-US"/>
           </a:p>
@@ -2248,7 +2248,7 @@
             <a:fld id="{1D8BD707-D9CF-40AE-B4C6-C98DA3205C09}" type="datetimeFigureOut">
               <a:rPr lang="en-US" smtClean="0"/>
               <a:pPr/>
-              <a:t>7/4/2024</a:t>
+              <a:t>7/10/2024</a:t>
             </a:fld>
             <a:endParaRPr lang="en-US"/>
           </a:p>
@@ -2497,7 +2497,7 @@
             <a:fld id="{1D8BD707-D9CF-40AE-B4C6-C98DA3205C09}" type="datetimeFigureOut">
               <a:rPr lang="en-US" smtClean="0"/>
               <a:pPr/>
-              <a:t>7/4/2024</a:t>
+              <a:t>7/10/2024</a:t>
             </a:fld>
             <a:endParaRPr lang="en-US"/>
           </a:p>
@@ -2705,7 +2705,7 @@
             <a:fld id="{1D8BD707-D9CF-40AE-B4C6-C98DA3205C09}" type="datetimeFigureOut">
               <a:rPr lang="en-US" smtClean="0"/>
               <a:pPr/>
-              <a:t>7/4/2024</a:t>
+              <a:t>7/10/2024</a:t>
             </a:fld>
             <a:endParaRPr lang="en-US"/>
           </a:p>
@@ -4433,7 +4433,7 @@
               </a:lnSpc>
             </a:pPr>
             <a:r>
-              <a:rPr lang="en-US" sz="4500">
+              <a:rPr lang="en-US" sz="4500" dirty="0" err="1">
                 <a:solidFill>
                   <a:srgbClr val="2E2E2E"/>
                 </a:solidFill>
@@ -4442,7 +4442,43 @@
                 <a:cs typeface="ADA Hybrid"/>
                 <a:sym typeface="ADA Hybrid"/>
               </a:rPr>
-              <a:t>Sviluppo di applicazioni mobile con</a:t>
+              <a:t>Sviluppo</a:t>
+            </a:r>
+            <a:r>
+              <a:rPr lang="en-US" sz="4500" dirty="0">
+                <a:solidFill>
+                  <a:srgbClr val="2E2E2E"/>
+                </a:solidFill>
+                <a:latin typeface="ADA Hybrid"/>
+                <a:ea typeface="ADA Hybrid"/>
+                <a:cs typeface="ADA Hybrid"/>
+                <a:sym typeface="ADA Hybrid"/>
+              </a:rPr>
+              <a:t> di </a:t>
+            </a:r>
+            <a:r>
+              <a:rPr lang="en-US" sz="4500" dirty="0" err="1">
+                <a:solidFill>
+                  <a:srgbClr val="2E2E2E"/>
+                </a:solidFill>
+                <a:latin typeface="ADA Hybrid"/>
+                <a:ea typeface="ADA Hybrid"/>
+                <a:cs typeface="ADA Hybrid"/>
+                <a:sym typeface="ADA Hybrid"/>
+              </a:rPr>
+              <a:t>applicazioni</a:t>
+            </a:r>
+            <a:r>
+              <a:rPr lang="en-US" sz="4500" dirty="0">
+                <a:solidFill>
+                  <a:srgbClr val="2E2E2E"/>
+                </a:solidFill>
+                <a:latin typeface="ADA Hybrid"/>
+                <a:ea typeface="ADA Hybrid"/>
+                <a:cs typeface="ADA Hybrid"/>
+                <a:sym typeface="ADA Hybrid"/>
+              </a:rPr>
+              <a:t> mobile con</a:t>
             </a:r>
           </a:p>
           <a:p>
@@ -4452,7 +4488,7 @@
               </a:lnSpc>
             </a:pPr>
             <a:r>
-              <a:rPr lang="en-US" sz="4500">
+              <a:rPr lang="en-US" sz="4500" dirty="0" err="1">
                 <a:solidFill>
                   <a:srgbClr val="2E2E2E"/>
                 </a:solidFill>
@@ -4461,7 +4497,43 @@
                 <a:cs typeface="ADA Hybrid"/>
                 <a:sym typeface="ADA Hybrid"/>
               </a:rPr>
-              <a:t>supporto di ChatGPT: GreenWay per la</a:t>
+              <a:t>supporto</a:t>
+            </a:r>
+            <a:r>
+              <a:rPr lang="en-US" sz="4500" dirty="0">
+                <a:solidFill>
+                  <a:srgbClr val="2E2E2E"/>
+                </a:solidFill>
+                <a:latin typeface="ADA Hybrid"/>
+                <a:ea typeface="ADA Hybrid"/>
+                <a:cs typeface="ADA Hybrid"/>
+                <a:sym typeface="ADA Hybrid"/>
+              </a:rPr>
+              <a:t> di ChatGPT: </a:t>
+            </a:r>
+            <a:r>
+              <a:rPr lang="en-US" sz="4500" dirty="0" err="1">
+                <a:solidFill>
+                  <a:srgbClr val="2E2E2E"/>
+                </a:solidFill>
+                <a:latin typeface="ADA Hybrid"/>
+                <a:ea typeface="ADA Hybrid"/>
+                <a:cs typeface="ADA Hybrid"/>
+                <a:sym typeface="ADA Hybrid"/>
+              </a:rPr>
+              <a:t>GreenWay</a:t>
+            </a:r>
+            <a:r>
+              <a:rPr lang="en-US" sz="4500" dirty="0">
+                <a:solidFill>
+                  <a:srgbClr val="2E2E2E"/>
+                </a:solidFill>
+                <a:latin typeface="ADA Hybrid"/>
+                <a:ea typeface="ADA Hybrid"/>
+                <a:cs typeface="ADA Hybrid"/>
+                <a:sym typeface="ADA Hybrid"/>
+              </a:rPr>
+              <a:t> per la</a:t>
             </a:r>
           </a:p>
           <a:p>
@@ -4471,7 +4543,7 @@
               </a:lnSpc>
             </a:pPr>
             <a:r>
-              <a:rPr lang="en-US" sz="4500">
+              <a:rPr lang="en-US" sz="4500" dirty="0" err="1">
                 <a:solidFill>
                   <a:srgbClr val="2E2E2E"/>
                 </a:solidFill>
@@ -4480,7 +4552,43 @@
                 <a:cs typeface="ADA Hybrid"/>
                 <a:sym typeface="ADA Hybrid"/>
               </a:rPr>
-              <a:t>sensibilizzazione sulla Co2</a:t>
+              <a:t>sensibilizzazione</a:t>
+            </a:r>
+            <a:r>
+              <a:rPr lang="en-US" sz="4500" dirty="0">
+                <a:solidFill>
+                  <a:srgbClr val="2E2E2E"/>
+                </a:solidFill>
+                <a:latin typeface="ADA Hybrid"/>
+                <a:ea typeface="ADA Hybrid"/>
+                <a:cs typeface="ADA Hybrid"/>
+                <a:sym typeface="ADA Hybrid"/>
+              </a:rPr>
+              <a:t> </a:t>
+            </a:r>
+            <a:r>
+              <a:rPr lang="en-US" sz="4500" dirty="0" err="1">
+                <a:solidFill>
+                  <a:srgbClr val="2E2E2E"/>
+                </a:solidFill>
+                <a:latin typeface="ADA Hybrid"/>
+                <a:ea typeface="ADA Hybrid"/>
+                <a:cs typeface="ADA Hybrid"/>
+                <a:sym typeface="ADA Hybrid"/>
+              </a:rPr>
+              <a:t>sulla</a:t>
+            </a:r>
+            <a:r>
+              <a:rPr lang="en-US" sz="4500" dirty="0">
+                <a:solidFill>
+                  <a:srgbClr val="2E2E2E"/>
+                </a:solidFill>
+                <a:latin typeface="ADA Hybrid"/>
+                <a:ea typeface="ADA Hybrid"/>
+                <a:cs typeface="ADA Hybrid"/>
+                <a:sym typeface="ADA Hybrid"/>
+              </a:rPr>
+              <a:t> Co2</a:t>
             </a:r>
           </a:p>
           <a:p>
@@ -4489,7 +4597,7 @@
                 <a:spcPts val="4590"/>
               </a:lnSpc>
             </a:pPr>
-            <a:endParaRPr lang="en-US" sz="4500">
+            <a:endParaRPr lang="en-US" sz="4500" dirty="0">
               <a:solidFill>
                 <a:srgbClr val="2E2E2E"/>
               </a:solidFill>
@@ -5113,7 +5221,7 @@
               </a:lnSpc>
             </a:pPr>
             <a:r>
-              <a:rPr lang="en-US" sz="1800">
+              <a:rPr lang="en-US" sz="1800" dirty="0" err="1">
                 <a:solidFill>
                   <a:srgbClr val="000000"/>
                 </a:solidFill>
@@ -5122,7 +5230,115 @@
                 <a:cs typeface="Inter"/>
                 <a:sym typeface="Inter"/>
               </a:rPr>
-              <a:t>Diversità degli strumenti in base agli obbiettivi.</a:t>
+              <a:t>Diversità</a:t>
+            </a:r>
+            <a:r>
+              <a:rPr lang="en-US" sz="1800" dirty="0">
+                <a:solidFill>
+                  <a:srgbClr val="000000"/>
+                </a:solidFill>
+                <a:latin typeface="Inter"/>
+                <a:ea typeface="Inter"/>
+                <a:cs typeface="Inter"/>
+                <a:sym typeface="Inter"/>
+              </a:rPr>
+              <a:t> </a:t>
+            </a:r>
+            <a:r>
+              <a:rPr lang="en-US" sz="1800" dirty="0" err="1">
+                <a:solidFill>
+                  <a:srgbClr val="000000"/>
+                </a:solidFill>
+                <a:latin typeface="Inter"/>
+                <a:ea typeface="Inter"/>
+                <a:cs typeface="Inter"/>
+                <a:sym typeface="Inter"/>
+              </a:rPr>
+              <a:t>degli</a:t>
+            </a:r>
+            <a:r>
+              <a:rPr lang="en-US" sz="1800" dirty="0">
+                <a:solidFill>
+                  <a:srgbClr val="000000"/>
+                </a:solidFill>
+                <a:latin typeface="Inter"/>
+                <a:ea typeface="Inter"/>
+                <a:cs typeface="Inter"/>
+                <a:sym typeface="Inter"/>
+              </a:rPr>
+              <a:t> </a:t>
+            </a:r>
+            <a:r>
+              <a:rPr lang="en-US" sz="1800" dirty="0" err="1">
+                <a:solidFill>
+                  <a:srgbClr val="000000"/>
+                </a:solidFill>
+                <a:latin typeface="Inter"/>
+                <a:ea typeface="Inter"/>
+                <a:cs typeface="Inter"/>
+                <a:sym typeface="Inter"/>
+              </a:rPr>
+              <a:t>strumenti</a:t>
+            </a:r>
+            <a:r>
+              <a:rPr lang="en-US" sz="1800" dirty="0">
+                <a:solidFill>
+                  <a:srgbClr val="000000"/>
+                </a:solidFill>
+                <a:latin typeface="Inter"/>
+                <a:ea typeface="Inter"/>
+                <a:cs typeface="Inter"/>
+                <a:sym typeface="Inter"/>
+              </a:rPr>
+              <a:t> in base </a:t>
+            </a:r>
+            <a:r>
+              <a:rPr lang="en-US" sz="1800" dirty="0" err="1">
+                <a:solidFill>
+                  <a:srgbClr val="000000"/>
+                </a:solidFill>
+                <a:latin typeface="Inter"/>
+                <a:ea typeface="Inter"/>
+                <a:cs typeface="Inter"/>
+                <a:sym typeface="Inter"/>
+              </a:rPr>
+              <a:t>agli</a:t>
+            </a:r>
+            <a:r>
+              <a:rPr lang="en-US" sz="1800" dirty="0">
+                <a:solidFill>
+                  <a:srgbClr val="000000"/>
+                </a:solidFill>
+                <a:latin typeface="Inter"/>
+                <a:ea typeface="Inter"/>
+                <a:cs typeface="Inter"/>
+                <a:sym typeface="Inter"/>
+              </a:rPr>
+              <a:t> </a:t>
+            </a:r>
+            <a:r>
+              <a:rPr lang="en-US" sz="1800" dirty="0" err="1">
+                <a:solidFill>
+                  <a:srgbClr val="000000"/>
+                </a:solidFill>
+                <a:latin typeface="Inter"/>
+                <a:ea typeface="Inter"/>
+                <a:cs typeface="Inter"/>
+                <a:sym typeface="Inter"/>
+              </a:rPr>
+              <a:t>obbiettivi</a:t>
+            </a:r>
+            <a:r>
+              <a:rPr lang="en-US" sz="1800" dirty="0">
+                <a:solidFill>
+                  <a:srgbClr val="000000"/>
+                </a:solidFill>
+                <a:latin typeface="Inter"/>
+                <a:ea typeface="Inter"/>
+                <a:cs typeface="Inter"/>
+                <a:sym typeface="Inter"/>
+              </a:rPr>
+              <a:t>.</a:t>
             </a:r>
           </a:p>
         </p:txBody>
@@ -6251,7 +6467,7 @@
         </p:nvSpPr>
         <p:spPr>
           <a:xfrm>
-            <a:off x="2316223" y="3588270"/>
+            <a:off x="2316223" y="3572475"/>
             <a:ext cx="10140798" cy="1249680"/>
           </a:xfrm>
           <a:prstGeom prst="rect">
@@ -6270,7 +6486,7 @@
               </a:lnSpc>
             </a:pPr>
             <a:r>
-              <a:rPr lang="en-US" sz="1800">
+              <a:rPr lang="en-US" sz="1800" dirty="0" err="1">
                 <a:solidFill>
                   <a:srgbClr val="000000"/>
                 </a:solidFill>
@@ -6279,7 +6495,19 @@
                 <a:cs typeface="Inter Bold"/>
                 <a:sym typeface="Inter Bold"/>
               </a:rPr>
-              <a:t>Funzionali:</a:t>
+              <a:t>Funzionali</a:t>
+            </a:r>
+            <a:r>
+              <a:rPr lang="en-US" sz="1800" dirty="0">
+                <a:solidFill>
+                  <a:srgbClr val="000000"/>
+                </a:solidFill>
+                <a:latin typeface="Inter Bold"/>
+                <a:ea typeface="Inter Bold"/>
+                <a:cs typeface="Inter Bold"/>
+                <a:sym typeface="Inter Bold"/>
+              </a:rPr>
+              <a:t>:</a:t>
             </a:r>
           </a:p>
           <a:p>
@@ -6291,7 +6519,7 @@
               <a:buChar char="•"/>
             </a:pPr>
             <a:r>
-              <a:rPr lang="en-US" sz="1800">
+              <a:rPr lang="en-US" sz="1800" dirty="0" err="1">
                 <a:solidFill>
                   <a:srgbClr val="000000"/>
                 </a:solidFill>
@@ -6300,7 +6528,43 @@
                 <a:cs typeface="Inter"/>
                 <a:sym typeface="Inter"/>
               </a:rPr>
-              <a:t>Visualizzazione qualità aria.</a:t>
+              <a:t>Visualizzazione</a:t>
+            </a:r>
+            <a:r>
+              <a:rPr lang="en-US" sz="1800" dirty="0">
+                <a:solidFill>
+                  <a:srgbClr val="000000"/>
+                </a:solidFill>
+                <a:latin typeface="Inter"/>
+                <a:ea typeface="Inter"/>
+                <a:cs typeface="Inter"/>
+                <a:sym typeface="Inter"/>
+              </a:rPr>
+              <a:t> </a:t>
+            </a:r>
+            <a:r>
+              <a:rPr lang="en-US" sz="1800" dirty="0" err="1">
+                <a:solidFill>
+                  <a:srgbClr val="000000"/>
+                </a:solidFill>
+                <a:latin typeface="Inter"/>
+                <a:ea typeface="Inter"/>
+                <a:cs typeface="Inter"/>
+                <a:sym typeface="Inter"/>
+              </a:rPr>
+              <a:t>qualità</a:t>
+            </a:r>
+            <a:r>
+              <a:rPr lang="en-US" sz="1800" dirty="0">
+                <a:solidFill>
+                  <a:srgbClr val="000000"/>
+                </a:solidFill>
+                <a:latin typeface="Inter"/>
+                <a:ea typeface="Inter"/>
+                <a:cs typeface="Inter"/>
+                <a:sym typeface="Inter"/>
+              </a:rPr>
+              <a:t> aria.</a:t>
             </a:r>
           </a:p>
           <a:p>
@@ -6312,7 +6576,7 @@
               <a:buChar char="•"/>
             </a:pPr>
             <a:r>
-              <a:rPr lang="en-US" sz="1800">
+              <a:rPr lang="en-US" sz="1800" dirty="0" err="1">
                 <a:solidFill>
                   <a:srgbClr val="000000"/>
                 </a:solidFill>
@@ -6321,7 +6585,43 @@
                 <a:cs typeface="Inter"/>
                 <a:sym typeface="Inter"/>
               </a:rPr>
-              <a:t>Calcolo CO2 percorsi.</a:t>
+              <a:t>Calcolo</a:t>
+            </a:r>
+            <a:r>
+              <a:rPr lang="en-US" sz="1800" dirty="0">
+                <a:solidFill>
+                  <a:srgbClr val="000000"/>
+                </a:solidFill>
+                <a:latin typeface="Inter"/>
+                <a:ea typeface="Inter"/>
+                <a:cs typeface="Inter"/>
+                <a:sym typeface="Inter"/>
+              </a:rPr>
+              <a:t> CO2 </a:t>
+            </a:r>
+            <a:r>
+              <a:rPr lang="en-US" sz="1800" dirty="0" err="1">
+                <a:solidFill>
+                  <a:srgbClr val="000000"/>
+                </a:solidFill>
+                <a:latin typeface="Inter"/>
+                <a:ea typeface="Inter"/>
+                <a:cs typeface="Inter"/>
+                <a:sym typeface="Inter"/>
+              </a:rPr>
+              <a:t>percorsi</a:t>
+            </a:r>
+            <a:r>
+              <a:rPr lang="en-US" sz="1800" dirty="0">
+                <a:solidFill>
+                  <a:srgbClr val="000000"/>
+                </a:solidFill>
+                <a:latin typeface="Inter"/>
+                <a:ea typeface="Inter"/>
+                <a:cs typeface="Inter"/>
+                <a:sym typeface="Inter"/>
+              </a:rPr>
+              <a:t>.</a:t>
             </a:r>
           </a:p>
           <a:p>
@@ -6333,7 +6633,7 @@
               <a:buChar char="•"/>
             </a:pPr>
             <a:r>
-              <a:rPr lang="en-US" sz="1800">
+              <a:rPr lang="en-US" sz="1800" dirty="0">
                 <a:solidFill>
                   <a:srgbClr val="000000"/>
                 </a:solidFill>
@@ -6342,8 +6642,53 @@
                 <a:cs typeface="Inter"/>
                 <a:sym typeface="Inter"/>
               </a:rPr>
-              <a:t>Sistema di amicizie e sfide</a:t>
-            </a:r>
+              <a:t>Sistema di </a:t>
+            </a:r>
+            <a:r>
+              <a:rPr lang="en-US" sz="1800" dirty="0" err="1">
+                <a:solidFill>
+                  <a:srgbClr val="000000"/>
+                </a:solidFill>
+                <a:latin typeface="Inter"/>
+                <a:ea typeface="Inter"/>
+                <a:cs typeface="Inter"/>
+                <a:sym typeface="Inter"/>
+              </a:rPr>
+              <a:t>amicizie</a:t>
+            </a:r>
+            <a:r>
+              <a:rPr lang="en-US" sz="1800" dirty="0">
+                <a:solidFill>
+                  <a:srgbClr val="000000"/>
+                </a:solidFill>
+                <a:latin typeface="Inter"/>
+                <a:ea typeface="Inter"/>
+                <a:cs typeface="Inter"/>
+                <a:sym typeface="Inter"/>
+              </a:rPr>
+              <a:t> e </a:t>
+            </a:r>
+            <a:r>
+              <a:rPr lang="en-US" sz="1800" dirty="0" err="1">
+                <a:solidFill>
+                  <a:srgbClr val="000000"/>
+                </a:solidFill>
+                <a:latin typeface="Inter"/>
+                <a:ea typeface="Inter"/>
+                <a:cs typeface="Inter"/>
+                <a:sym typeface="Inter"/>
+              </a:rPr>
+              <a:t>sfide</a:t>
+            </a:r>
+            <a:endParaRPr lang="en-US" sz="1800" dirty="0">
+              <a:solidFill>
+                <a:srgbClr val="000000"/>
+              </a:solidFill>
+              <a:latin typeface="Inter"/>
+              <a:ea typeface="Inter"/>
+              <a:cs typeface="Inter"/>
+              <a:sym typeface="Inter"/>
+            </a:endParaRPr>
           </a:p>
         </p:txBody>
       </p:sp>
@@ -6374,7 +6719,7 @@
               </a:lnSpc>
             </a:pPr>
             <a:r>
-              <a:rPr lang="en-US" sz="1800">
+              <a:rPr lang="en-US" sz="1800" dirty="0">
                 <a:solidFill>
                   <a:srgbClr val="000000"/>
                 </a:solidFill>
@@ -6383,7 +6728,31 @@
                 <a:cs typeface="Inter Bold"/>
                 <a:sym typeface="Inter Bold"/>
               </a:rPr>
-              <a:t>Non funzionali:</a:t>
+              <a:t>Non </a:t>
+            </a:r>
+            <a:r>
+              <a:rPr lang="en-US" sz="1800" dirty="0" err="1">
+                <a:solidFill>
+                  <a:srgbClr val="000000"/>
+                </a:solidFill>
+                <a:latin typeface="Inter Bold"/>
+                <a:ea typeface="Inter Bold"/>
+                <a:cs typeface="Inter Bold"/>
+                <a:sym typeface="Inter Bold"/>
+              </a:rPr>
+              <a:t>funzionali</a:t>
+            </a:r>
+            <a:r>
+              <a:rPr lang="en-US" sz="1800" dirty="0">
+                <a:solidFill>
+                  <a:srgbClr val="000000"/>
+                </a:solidFill>
+                <a:latin typeface="Inter Bold"/>
+                <a:ea typeface="Inter Bold"/>
+                <a:cs typeface="Inter Bold"/>
+                <a:sym typeface="Inter Bold"/>
+              </a:rPr>
+              <a:t>:</a:t>
             </a:r>
           </a:p>
           <a:p>
@@ -6395,7 +6764,7 @@
               <a:buChar char="•"/>
             </a:pPr>
             <a:r>
-              <a:rPr lang="en-US" sz="1800">
+              <a:rPr lang="en-US" sz="1800" dirty="0" err="1">
                 <a:solidFill>
                   <a:srgbClr val="000000"/>
                 </a:solidFill>
@@ -6406,6 +6775,15 @@
               </a:rPr>
               <a:t>Efficienza</a:t>
             </a:r>
+            <a:endParaRPr lang="en-US" sz="1800" dirty="0">
+              <a:solidFill>
+                <a:srgbClr val="000000"/>
+              </a:solidFill>
+              <a:latin typeface="Inter"/>
+              <a:ea typeface="Inter"/>
+              <a:cs typeface="Inter"/>
+              <a:sym typeface="Inter"/>
+            </a:endParaRPr>
           </a:p>
           <a:p>
             <a:pPr marL="388620" lvl="1" indent="-194310" algn="l">
@@ -6416,7 +6794,7 @@
               <a:buChar char="•"/>
             </a:pPr>
             <a:r>
-              <a:rPr lang="en-US" sz="1800">
+              <a:rPr lang="en-US" sz="1800" dirty="0" err="1">
                 <a:solidFill>
                   <a:srgbClr val="000000"/>
                 </a:solidFill>
@@ -6427,6 +6805,15 @@
               </a:rPr>
               <a:t>Sicurezza</a:t>
             </a:r>
+            <a:endParaRPr lang="en-US" sz="1800" dirty="0">
+              <a:solidFill>
+                <a:srgbClr val="000000"/>
+              </a:solidFill>
+              <a:latin typeface="Inter"/>
+              <a:ea typeface="Inter"/>
+              <a:cs typeface="Inter"/>
+              <a:sym typeface="Inter"/>
+            </a:endParaRPr>
           </a:p>
           <a:p>
             <a:pPr marL="388620" lvl="1" indent="-194310" algn="l">
@@ -6437,7 +6824,7 @@
               <a:buChar char="•"/>
             </a:pPr>
             <a:r>
-              <a:rPr lang="en-US" sz="1800">
+              <a:rPr lang="en-US" sz="1800" dirty="0" err="1">
                 <a:solidFill>
                   <a:srgbClr val="000000"/>
                 </a:solidFill>
@@ -6448,6 +6835,15 @@
               </a:rPr>
               <a:t>Usabilità</a:t>
             </a:r>
+            <a:endParaRPr lang="en-US" sz="1800" dirty="0">
+              <a:solidFill>
+                <a:srgbClr val="000000"/>
+              </a:solidFill>
+              <a:latin typeface="Inter"/>
+              <a:ea typeface="Inter"/>
+              <a:cs typeface="Inter"/>
+              <a:sym typeface="Inter"/>
+            </a:endParaRPr>
           </a:p>
         </p:txBody>
       </p:sp>
@@ -6725,7 +7121,7 @@
               </a:lnSpc>
             </a:pPr>
             <a:r>
-              <a:rPr lang="en-US" sz="1800">
+              <a:rPr lang="en-US" sz="1800" dirty="0" err="1">
                 <a:solidFill>
                   <a:srgbClr val="000000"/>
                 </a:solidFill>
@@ -6734,7 +7130,43 @@
                 <a:cs typeface="Inter Bold"/>
                 <a:sym typeface="Inter Bold"/>
               </a:rPr>
-              <a:t>Strumenti utilizzati:</a:t>
+              <a:t>Strumenti</a:t>
+            </a:r>
+            <a:r>
+              <a:rPr lang="en-US" sz="1800" dirty="0">
+                <a:solidFill>
+                  <a:srgbClr val="000000"/>
+                </a:solidFill>
+                <a:latin typeface="Inter Bold"/>
+                <a:ea typeface="Inter Bold"/>
+                <a:cs typeface="Inter Bold"/>
+                <a:sym typeface="Inter Bold"/>
+              </a:rPr>
+              <a:t> </a:t>
+            </a:r>
+            <a:r>
+              <a:rPr lang="en-US" sz="1800" dirty="0" err="1">
+                <a:solidFill>
+                  <a:srgbClr val="000000"/>
+                </a:solidFill>
+                <a:latin typeface="Inter Bold"/>
+                <a:ea typeface="Inter Bold"/>
+                <a:cs typeface="Inter Bold"/>
+                <a:sym typeface="Inter Bold"/>
+              </a:rPr>
+              <a:t>utilizzati</a:t>
+            </a:r>
+            <a:r>
+              <a:rPr lang="en-US" sz="1800" dirty="0">
+                <a:solidFill>
+                  <a:srgbClr val="000000"/>
+                </a:solidFill>
+                <a:latin typeface="Inter Bold"/>
+                <a:ea typeface="Inter Bold"/>
+                <a:cs typeface="Inter Bold"/>
+                <a:sym typeface="Inter Bold"/>
+              </a:rPr>
+              <a:t>:</a:t>
             </a:r>
           </a:p>
           <a:p>
@@ -6746,7 +7178,7 @@
               <a:buChar char="•"/>
             </a:pPr>
             <a:r>
-              <a:rPr lang="en-US" sz="1800">
+              <a:rPr lang="en-US" sz="1800" dirty="0">
                 <a:solidFill>
                   <a:srgbClr val="000000"/>
                 </a:solidFill>
@@ -6767,7 +7199,7 @@
               <a:buChar char="•"/>
             </a:pPr>
             <a:r>
-              <a:rPr lang="en-US" sz="1800">
+              <a:rPr lang="en-US" sz="1800" dirty="0">
                 <a:solidFill>
                   <a:srgbClr val="000000"/>
                 </a:solidFill>
@@ -6788,7 +7220,7 @@
               <a:buChar char="•"/>
             </a:pPr>
             <a:r>
-              <a:rPr lang="en-US" sz="1800">
+              <a:rPr lang="en-US" sz="1800" dirty="0">
                 <a:solidFill>
                   <a:srgbClr val="000000"/>
                 </a:solidFill>
@@ -9521,7 +9953,7 @@
         <p:spPr>
           <a:xfrm>
             <a:off x="1028700" y="8852535"/>
-            <a:ext cx="8115300" cy="349250"/>
+            <a:ext cx="8115300" cy="329642"/>
           </a:xfrm>
           <a:prstGeom prst="rect">
             <a:avLst/>
@@ -9539,7 +9971,7 @@
               </a:lnSpc>
             </a:pPr>
             <a:r>
-              <a:rPr lang="en-US" sz="2000">
+              <a:rPr lang="en-US" sz="2000" dirty="0" err="1">
                 <a:solidFill>
                   <a:srgbClr val="000000"/>
                 </a:solidFill>
@@ -9548,7 +9980,43 @@
                 <a:cs typeface="Inter"/>
                 <a:sym typeface="Inter"/>
               </a:rPr>
-              <a:t>Università Bicocca | Scienze e tecnologie informatiche | 2024</a:t>
+              <a:t>Università</a:t>
+            </a:r>
+            <a:r>
+              <a:rPr lang="en-US" sz="2000" dirty="0">
+                <a:solidFill>
+                  <a:srgbClr val="000000"/>
+                </a:solidFill>
+                <a:latin typeface="Inter"/>
+                <a:ea typeface="Inter"/>
+                <a:cs typeface="Inter"/>
+                <a:sym typeface="Inter"/>
+              </a:rPr>
+              <a:t> Bicocca | </a:t>
+            </a:r>
+            <a:r>
+              <a:rPr lang="en-US" sz="2000" dirty="0" err="1">
+                <a:solidFill>
+                  <a:srgbClr val="000000"/>
+                </a:solidFill>
+                <a:latin typeface="Inter"/>
+                <a:ea typeface="Inter"/>
+                <a:cs typeface="Inter"/>
+                <a:sym typeface="Inter"/>
+              </a:rPr>
+              <a:t>DISCo</a:t>
+            </a:r>
+            <a:r>
+              <a:rPr lang="en-US" sz="2000" dirty="0">
+                <a:solidFill>
+                  <a:srgbClr val="000000"/>
+                </a:solidFill>
+                <a:latin typeface="Inter"/>
+                <a:ea typeface="Inter"/>
+                <a:cs typeface="Inter"/>
+                <a:sym typeface="Inter"/>
+              </a:rPr>
+              <a:t> | 2024</a:t>
             </a:r>
           </a:p>
         </p:txBody>

--- a/documentazione/Presentazione tesi GreenWay Davide Domenico Montani 890107.pptx
+++ b/documentazione/Presentazione tesi GreenWay Davide Domenico Montani 890107.pptx
@@ -325,7 +325,7 @@
             <a:fld id="{1D8BD707-D9CF-40AE-B4C6-C98DA3205C09}" type="datetimeFigureOut">
               <a:rPr lang="en-US" smtClean="0"/>
               <a:pPr/>
-              <a:t>7/10/2024</a:t>
+              <a:t>7/11/2024</a:t>
             </a:fld>
             <a:endParaRPr lang="en-US"/>
           </a:p>
@@ -490,7 +490,7 @@
             <a:fld id="{1D8BD707-D9CF-40AE-B4C6-C98DA3205C09}" type="datetimeFigureOut">
               <a:rPr lang="en-US" smtClean="0"/>
               <a:pPr/>
-              <a:t>7/10/2024</a:t>
+              <a:t>7/11/2024</a:t>
             </a:fld>
             <a:endParaRPr lang="en-US"/>
           </a:p>
@@ -665,7 +665,7 @@
             <a:fld id="{1D8BD707-D9CF-40AE-B4C6-C98DA3205C09}" type="datetimeFigureOut">
               <a:rPr lang="en-US" smtClean="0"/>
               <a:pPr/>
-              <a:t>7/10/2024</a:t>
+              <a:t>7/11/2024</a:t>
             </a:fld>
             <a:endParaRPr lang="en-US"/>
           </a:p>
@@ -830,7 +830,7 @@
             <a:fld id="{1D8BD707-D9CF-40AE-B4C6-C98DA3205C09}" type="datetimeFigureOut">
               <a:rPr lang="en-US" smtClean="0"/>
               <a:pPr/>
-              <a:t>7/10/2024</a:t>
+              <a:t>7/11/2024</a:t>
             </a:fld>
             <a:endParaRPr lang="en-US"/>
           </a:p>
@@ -1072,7 +1072,7 @@
             <a:fld id="{1D8BD707-D9CF-40AE-B4C6-C98DA3205C09}" type="datetimeFigureOut">
               <a:rPr lang="en-US" smtClean="0"/>
               <a:pPr/>
-              <a:t>7/10/2024</a:t>
+              <a:t>7/11/2024</a:t>
             </a:fld>
             <a:endParaRPr lang="en-US"/>
           </a:p>
@@ -1354,7 +1354,7 @@
             <a:fld id="{1D8BD707-D9CF-40AE-B4C6-C98DA3205C09}" type="datetimeFigureOut">
               <a:rPr lang="en-US" smtClean="0"/>
               <a:pPr/>
-              <a:t>7/10/2024</a:t>
+              <a:t>7/11/2024</a:t>
             </a:fld>
             <a:endParaRPr lang="en-US"/>
           </a:p>
@@ -1770,7 +1770,7 @@
             <a:fld id="{1D8BD707-D9CF-40AE-B4C6-C98DA3205C09}" type="datetimeFigureOut">
               <a:rPr lang="en-US" smtClean="0"/>
               <a:pPr/>
-              <a:t>7/10/2024</a:t>
+              <a:t>7/11/2024</a:t>
             </a:fld>
             <a:endParaRPr lang="en-US"/>
           </a:p>
@@ -1884,7 +1884,7 @@
             <a:fld id="{1D8BD707-D9CF-40AE-B4C6-C98DA3205C09}" type="datetimeFigureOut">
               <a:rPr lang="en-US" smtClean="0"/>
               <a:pPr/>
-              <a:t>7/10/2024</a:t>
+              <a:t>7/11/2024</a:t>
             </a:fld>
             <a:endParaRPr lang="en-US"/>
           </a:p>
@@ -1976,7 +1976,7 @@
             <a:fld id="{1D8BD707-D9CF-40AE-B4C6-C98DA3205C09}" type="datetimeFigureOut">
               <a:rPr lang="en-US" smtClean="0"/>
               <a:pPr/>
-              <a:t>7/10/2024</a:t>
+              <a:t>7/11/2024</a:t>
             </a:fld>
             <a:endParaRPr lang="en-US"/>
           </a:p>
@@ -2248,7 +2248,7 @@
             <a:fld id="{1D8BD707-D9CF-40AE-B4C6-C98DA3205C09}" type="datetimeFigureOut">
               <a:rPr lang="en-US" smtClean="0"/>
               <a:pPr/>
-              <a:t>7/10/2024</a:t>
+              <a:t>7/11/2024</a:t>
             </a:fld>
             <a:endParaRPr lang="en-US"/>
           </a:p>
@@ -2497,7 +2497,7 @@
             <a:fld id="{1D8BD707-D9CF-40AE-B4C6-C98DA3205C09}" type="datetimeFigureOut">
               <a:rPr lang="en-US" smtClean="0"/>
               <a:pPr/>
-              <a:t>7/10/2024</a:t>
+              <a:t>7/11/2024</a:t>
             </a:fld>
             <a:endParaRPr lang="en-US"/>
           </a:p>
@@ -2705,7 +2705,7 @@
             <a:fld id="{1D8BD707-D9CF-40AE-B4C6-C98DA3205C09}" type="datetimeFigureOut">
               <a:rPr lang="en-US" smtClean="0"/>
               <a:pPr/>
-              <a:t>7/10/2024</a:t>
+              <a:t>7/11/2024</a:t>
             </a:fld>
             <a:endParaRPr lang="en-US"/>
           </a:p>
@@ -4636,7 +4636,7 @@
               </a:lnSpc>
             </a:pPr>
             <a:r>
-              <a:rPr lang="en-US" sz="2400">
+              <a:rPr lang="en-US" sz="2400" dirty="0">
                 <a:solidFill>
                   <a:srgbClr val="000000"/>
                 </a:solidFill>
@@ -4680,7 +4680,7 @@
               </a:spcBef>
             </a:pPr>
             <a:r>
-              <a:rPr lang="en-US" sz="2799">
+              <a:rPr lang="en-US" sz="2600" dirty="0" err="1">
                 <a:solidFill>
                   <a:srgbClr val="000000"/>
                 </a:solidFill>
@@ -4689,8 +4689,41 @@
                 <a:cs typeface="Inter Bold"/>
                 <a:sym typeface="Inter Bold"/>
               </a:rPr>
-              <a:t>Relatore: Prof. Daniela Micucci</a:t>
-            </a:r>
+              <a:t>Relatore</a:t>
+            </a:r>
+            <a:r>
+              <a:rPr lang="en-US" sz="2600" dirty="0">
+                <a:solidFill>
+                  <a:srgbClr val="000000"/>
+                </a:solidFill>
+                <a:latin typeface="Inter Bold"/>
+                <a:ea typeface="Inter Bold"/>
+                <a:cs typeface="Inter Bold"/>
+                <a:sym typeface="Inter Bold"/>
+              </a:rPr>
+              <a:t>: Prof. Daniela </a:t>
+            </a:r>
+            <a:r>
+              <a:rPr lang="en-US" sz="2600" dirty="0" err="1">
+                <a:solidFill>
+                  <a:srgbClr val="000000"/>
+                </a:solidFill>
+                <a:latin typeface="Inter Bold"/>
+                <a:ea typeface="Inter Bold"/>
+                <a:cs typeface="Inter Bold"/>
+                <a:sym typeface="Inter Bold"/>
+              </a:rPr>
+              <a:t>Micucci</a:t>
+            </a:r>
+            <a:endParaRPr lang="en-US" sz="2600" dirty="0">
+              <a:solidFill>
+                <a:srgbClr val="000000"/>
+              </a:solidFill>
+              <a:latin typeface="Inter Bold"/>
+              <a:ea typeface="Inter Bold"/>
+              <a:cs typeface="Inter Bold"/>
+              <a:sym typeface="Inter Bold"/>
+            </a:endParaRPr>
           </a:p>
           <a:p>
             <a:pPr algn="l">
@@ -4702,7 +4735,7 @@
               </a:spcBef>
             </a:pPr>
             <a:r>
-              <a:rPr lang="en-US" sz="2799">
+              <a:rPr lang="en-US" sz="2600" dirty="0" err="1">
                 <a:solidFill>
                   <a:srgbClr val="000000"/>
                 </a:solidFill>
@@ -4711,7 +4744,43 @@
                 <a:cs typeface="Inter Bold"/>
                 <a:sym typeface="Inter Bold"/>
               </a:rPr>
-              <a:t>Correlatore: Dott. Maria Teresa Rossi</a:t>
+              <a:t>Correlatore</a:t>
+            </a:r>
+            <a:r>
+              <a:rPr lang="en-US" sz="2600" dirty="0">
+                <a:solidFill>
+                  <a:srgbClr val="000000"/>
+                </a:solidFill>
+                <a:latin typeface="Inter Bold"/>
+                <a:ea typeface="Inter Bold"/>
+                <a:cs typeface="Inter Bold"/>
+                <a:sym typeface="Inter Bold"/>
+              </a:rPr>
+              <a:t>: </a:t>
+            </a:r>
+            <a:r>
+              <a:rPr lang="en-US" sz="2600" dirty="0" err="1">
+                <a:solidFill>
+                  <a:srgbClr val="000000"/>
+                </a:solidFill>
+                <a:latin typeface="Inter Bold"/>
+                <a:ea typeface="Inter Bold"/>
+                <a:cs typeface="Inter Bold"/>
+                <a:sym typeface="Inter Bold"/>
+              </a:rPr>
+              <a:t>Dott</a:t>
+            </a:r>
+            <a:r>
+              <a:rPr lang="en-US" sz="2600" dirty="0">
+                <a:solidFill>
+                  <a:srgbClr val="000000"/>
+                </a:solidFill>
+                <a:latin typeface="Inter Bold"/>
+                <a:ea typeface="Inter Bold"/>
+                <a:cs typeface="Inter Bold"/>
+                <a:sym typeface="Inter Bold"/>
+              </a:rPr>
+              <a:t>. Maria Teresa Rossi</a:t>
             </a:r>
           </a:p>
         </p:txBody>
@@ -4768,7 +4837,7 @@
               </a:lnSpc>
             </a:pPr>
             <a:r>
-              <a:rPr lang="en-US" sz="8799">
+              <a:rPr lang="en-US" sz="7500" dirty="0">
                 <a:solidFill>
                   <a:srgbClr val="000000"/>
                 </a:solidFill>
@@ -4777,7 +4846,55 @@
                 <a:cs typeface="ADA Hybrid"/>
                 <a:sym typeface="ADA Hybrid"/>
               </a:rPr>
-              <a:t>Obbiettivi:</a:t>
+              <a:t>LLM e lo </a:t>
+            </a:r>
+            <a:r>
+              <a:rPr lang="en-US" sz="7500" dirty="0" err="1">
+                <a:solidFill>
+                  <a:srgbClr val="000000"/>
+                </a:solidFill>
+                <a:latin typeface="ADA Hybrid"/>
+                <a:ea typeface="ADA Hybrid"/>
+                <a:cs typeface="ADA Hybrid"/>
+                <a:sym typeface="ADA Hybrid"/>
+              </a:rPr>
+              <a:t>sviluppo</a:t>
+            </a:r>
+            <a:r>
+              <a:rPr lang="en-US" sz="7500" dirty="0">
+                <a:solidFill>
+                  <a:srgbClr val="000000"/>
+                </a:solidFill>
+                <a:latin typeface="ADA Hybrid"/>
+                <a:ea typeface="ADA Hybrid"/>
+                <a:cs typeface="ADA Hybrid"/>
+                <a:sym typeface="ADA Hybrid"/>
+              </a:rPr>
+              <a:t> </a:t>
+            </a:r>
+            <a:r>
+              <a:rPr lang="en-US" sz="7500" dirty="0" err="1">
+                <a:solidFill>
+                  <a:srgbClr val="000000"/>
+                </a:solidFill>
+                <a:latin typeface="ADA Hybrid"/>
+                <a:ea typeface="ADA Hybrid"/>
+                <a:cs typeface="ADA Hybrid"/>
+                <a:sym typeface="ADA Hybrid"/>
+              </a:rPr>
+              <a:t>sw</a:t>
+            </a:r>
+            <a:r>
+              <a:rPr lang="en-US" sz="7500" dirty="0">
+                <a:solidFill>
+                  <a:srgbClr val="000000"/>
+                </a:solidFill>
+                <a:latin typeface="ADA Hybrid"/>
+                <a:ea typeface="ADA Hybrid"/>
+                <a:cs typeface="ADA Hybrid"/>
+                <a:sym typeface="ADA Hybrid"/>
+              </a:rPr>
+              <a:t>:</a:t>
             </a:r>
           </a:p>
         </p:txBody>
@@ -5162,7 +5279,7 @@
         <p:spPr>
           <a:xfrm>
             <a:off x="1962152" y="7006902"/>
-            <a:ext cx="4230266" cy="321564"/>
+            <a:ext cx="4230266" cy="307777"/>
           </a:xfrm>
           <a:prstGeom prst="rect">
             <a:avLst/>
@@ -5180,7 +5297,7 @@
               </a:lnSpc>
             </a:pPr>
             <a:r>
-              <a:rPr lang="en-US" sz="2400">
+              <a:rPr lang="en-US" sz="2000" dirty="0" err="1">
                 <a:solidFill>
                   <a:srgbClr val="000000"/>
                 </a:solidFill>
@@ -5189,7 +5306,79 @@
                 <a:cs typeface="Inter Bold"/>
                 <a:sym typeface="Inter Bold"/>
               </a:rPr>
-              <a:t>Obbiettivo di verifica: </a:t>
+              <a:t>Obbiettivo</a:t>
+            </a:r>
+            <a:r>
+              <a:rPr lang="en-US" sz="2000" dirty="0">
+                <a:solidFill>
+                  <a:srgbClr val="000000"/>
+                </a:solidFill>
+                <a:latin typeface="Inter Bold"/>
+                <a:ea typeface="Inter Bold"/>
+                <a:cs typeface="Inter Bold"/>
+                <a:sym typeface="Inter Bold"/>
+              </a:rPr>
+              <a:t> </a:t>
+            </a:r>
+            <a:r>
+              <a:rPr lang="en-US" sz="2000" dirty="0" err="1">
+                <a:solidFill>
+                  <a:srgbClr val="000000"/>
+                </a:solidFill>
+                <a:latin typeface="Inter Bold"/>
+                <a:ea typeface="Inter Bold"/>
+                <a:cs typeface="Inter Bold"/>
+                <a:sym typeface="Inter Bold"/>
+              </a:rPr>
+              <a:t>della</a:t>
+            </a:r>
+            <a:r>
+              <a:rPr lang="en-US" sz="2000" dirty="0">
+                <a:solidFill>
+                  <a:srgbClr val="000000"/>
+                </a:solidFill>
+                <a:latin typeface="Inter Bold"/>
+                <a:ea typeface="Inter Bold"/>
+                <a:cs typeface="Inter Bold"/>
+                <a:sym typeface="Inter Bold"/>
+              </a:rPr>
+              <a:t> </a:t>
+            </a:r>
+            <a:r>
+              <a:rPr lang="en-US" sz="2000" dirty="0" err="1">
+                <a:solidFill>
+                  <a:srgbClr val="000000"/>
+                </a:solidFill>
+                <a:latin typeface="Inter Bold"/>
+                <a:ea typeface="Inter Bold"/>
+                <a:cs typeface="Inter Bold"/>
+                <a:sym typeface="Inter Bold"/>
+              </a:rPr>
+              <a:t>sperimentazione</a:t>
+            </a:r>
+            <a:r>
+              <a:rPr lang="en-US" sz="2000" dirty="0">
+                <a:solidFill>
+                  <a:srgbClr val="000000"/>
+                </a:solidFill>
+                <a:latin typeface="Inter Bold"/>
+                <a:ea typeface="Inter Bold"/>
+                <a:cs typeface="Inter Bold"/>
+                <a:sym typeface="Inter Bold"/>
+              </a:rPr>
+              <a:t>:</a:t>
+            </a:r>
+            <a:r>
+              <a:rPr lang="en-US" sz="2400" dirty="0">
+                <a:solidFill>
+                  <a:srgbClr val="000000"/>
+                </a:solidFill>
+                <a:latin typeface="Inter Bold"/>
+                <a:ea typeface="Inter Bold"/>
+                <a:cs typeface="Inter Bold"/>
+                <a:sym typeface="Inter Bold"/>
+              </a:rPr>
+              <a:t> </a:t>
             </a:r>
           </a:p>
         </p:txBody>
@@ -5352,7 +5541,7 @@
         <p:spPr>
           <a:xfrm>
             <a:off x="1962152" y="7567606"/>
-            <a:ext cx="6501182" cy="2192655"/>
+            <a:ext cx="6501182" cy="2538900"/>
           </a:xfrm>
           <a:prstGeom prst="rect">
             <a:avLst/>
@@ -5370,7 +5559,7 @@
               </a:lnSpc>
             </a:pPr>
             <a:r>
-              <a:rPr lang="en-US" sz="1799">
+              <a:rPr lang="en-US" sz="1799" dirty="0" err="1">
                 <a:solidFill>
                   <a:srgbClr val="000000"/>
                 </a:solidFill>
@@ -5379,7 +5568,163 @@
                 <a:cs typeface="Inter"/>
                 <a:sym typeface="Inter"/>
               </a:rPr>
-              <a:t>Utilità di ChatGPT per un progettista/programmatore nelle varie fasi di sviluppo: </a:t>
+              <a:t>Utilità</a:t>
+            </a:r>
+            <a:r>
+              <a:rPr lang="en-US" sz="1799" dirty="0">
+                <a:solidFill>
+                  <a:srgbClr val="000000"/>
+                </a:solidFill>
+                <a:latin typeface="Inter"/>
+                <a:ea typeface="Inter"/>
+                <a:cs typeface="Inter"/>
+                <a:sym typeface="Inter"/>
+              </a:rPr>
+              <a:t> di ChatGPT per un </a:t>
+            </a:r>
+            <a:r>
+              <a:rPr lang="en-US" sz="1799" dirty="0" err="1">
+                <a:solidFill>
+                  <a:srgbClr val="000000"/>
+                </a:solidFill>
+                <a:latin typeface="Inter"/>
+                <a:ea typeface="Inter"/>
+                <a:cs typeface="Inter"/>
+                <a:sym typeface="Inter"/>
+              </a:rPr>
+              <a:t>progettista</a:t>
+            </a:r>
+            <a:r>
+              <a:rPr lang="en-US" sz="1799" dirty="0">
+                <a:solidFill>
+                  <a:srgbClr val="000000"/>
+                </a:solidFill>
+                <a:latin typeface="Inter"/>
+                <a:ea typeface="Inter"/>
+                <a:cs typeface="Inter"/>
+                <a:sym typeface="Inter"/>
+              </a:rPr>
+              <a:t>/</a:t>
+            </a:r>
+            <a:r>
+              <a:rPr lang="en-US" sz="1799" dirty="0" err="1">
+                <a:solidFill>
+                  <a:srgbClr val="000000"/>
+                </a:solidFill>
+                <a:latin typeface="Inter"/>
+                <a:ea typeface="Inter"/>
+                <a:cs typeface="Inter"/>
+                <a:sym typeface="Inter"/>
+              </a:rPr>
+              <a:t>programmatore</a:t>
+            </a:r>
+            <a:r>
+              <a:rPr lang="en-US" sz="1799" dirty="0">
+                <a:solidFill>
+                  <a:srgbClr val="000000"/>
+                </a:solidFill>
+                <a:latin typeface="Inter"/>
+                <a:ea typeface="Inter"/>
+                <a:cs typeface="Inter"/>
+                <a:sym typeface="Inter"/>
+              </a:rPr>
+              <a:t> </a:t>
+            </a:r>
+            <a:r>
+              <a:rPr lang="en-US" sz="1799" dirty="0" err="1">
+                <a:solidFill>
+                  <a:srgbClr val="000000"/>
+                </a:solidFill>
+                <a:latin typeface="Inter"/>
+                <a:ea typeface="Inter"/>
+                <a:cs typeface="Inter"/>
+                <a:sym typeface="Inter"/>
+              </a:rPr>
+              <a:t>nelle</a:t>
+            </a:r>
+            <a:r>
+              <a:rPr lang="en-US" sz="1799" dirty="0">
+                <a:solidFill>
+                  <a:srgbClr val="000000"/>
+                </a:solidFill>
+                <a:latin typeface="Inter"/>
+                <a:ea typeface="Inter"/>
+                <a:cs typeface="Inter"/>
+                <a:sym typeface="Inter"/>
+              </a:rPr>
+              <a:t> </a:t>
+            </a:r>
+            <a:r>
+              <a:rPr lang="en-US" sz="1799" dirty="0" err="1">
+                <a:solidFill>
+                  <a:srgbClr val="000000"/>
+                </a:solidFill>
+                <a:latin typeface="Inter"/>
+                <a:ea typeface="Inter"/>
+                <a:cs typeface="Inter"/>
+                <a:sym typeface="Inter"/>
+              </a:rPr>
+              <a:t>varie</a:t>
+            </a:r>
+            <a:r>
+              <a:rPr lang="en-US" sz="1799" dirty="0">
+                <a:solidFill>
+                  <a:srgbClr val="000000"/>
+                </a:solidFill>
+                <a:latin typeface="Inter"/>
+                <a:ea typeface="Inter"/>
+                <a:cs typeface="Inter"/>
+                <a:sym typeface="Inter"/>
+              </a:rPr>
+              <a:t> </a:t>
+            </a:r>
+            <a:r>
+              <a:rPr lang="en-US" sz="1799" dirty="0" err="1">
+                <a:solidFill>
+                  <a:srgbClr val="000000"/>
+                </a:solidFill>
+                <a:latin typeface="Inter"/>
+                <a:ea typeface="Inter"/>
+                <a:cs typeface="Inter"/>
+                <a:sym typeface="Inter"/>
+              </a:rPr>
+              <a:t>fasi</a:t>
+            </a:r>
+            <a:r>
+              <a:rPr lang="en-US" sz="1799" dirty="0">
+                <a:solidFill>
+                  <a:srgbClr val="000000"/>
+                </a:solidFill>
+                <a:latin typeface="Inter"/>
+                <a:ea typeface="Inter"/>
+                <a:cs typeface="Inter"/>
+                <a:sym typeface="Inter"/>
+              </a:rPr>
+              <a:t> di </a:t>
+            </a:r>
+            <a:r>
+              <a:rPr lang="en-US" sz="1799" dirty="0" err="1">
+                <a:solidFill>
+                  <a:srgbClr val="000000"/>
+                </a:solidFill>
+                <a:latin typeface="Inter"/>
+                <a:ea typeface="Inter"/>
+                <a:cs typeface="Inter"/>
+                <a:sym typeface="Inter"/>
+              </a:rPr>
+              <a:t>sviluppo</a:t>
+            </a:r>
+            <a:r>
+              <a:rPr lang="en-US" sz="1799" dirty="0">
+                <a:solidFill>
+                  <a:srgbClr val="000000"/>
+                </a:solidFill>
+                <a:latin typeface="Inter"/>
+                <a:ea typeface="Inter"/>
+                <a:cs typeface="Inter"/>
+                <a:sym typeface="Inter"/>
+              </a:rPr>
+              <a:t>:  </a:t>
             </a:r>
           </a:p>
           <a:p>
@@ -5391,7 +5736,7 @@
               <a:buChar char="•"/>
             </a:pPr>
             <a:r>
-              <a:rPr lang="en-US" sz="1799">
+              <a:rPr lang="en-US" sz="1799" dirty="0" err="1">
                 <a:solidFill>
                   <a:srgbClr val="000000"/>
                 </a:solidFill>
@@ -5400,58 +5745,9 @@
                 <a:cs typeface="Inter"/>
                 <a:sym typeface="Inter"/>
               </a:rPr>
-              <a:t>Progettazione</a:t>
-            </a:r>
-          </a:p>
-          <a:p>
-            <a:pPr marL="388620" lvl="1" indent="-194310" algn="l">
-              <a:lnSpc>
-                <a:spcPts val="2519"/>
-              </a:lnSpc>
-              <a:buFont typeface="Arial"/>
-              <a:buChar char="•"/>
-            </a:pPr>
-            <a:r>
-              <a:rPr lang="en-US" sz="1799">
-                <a:solidFill>
-                  <a:srgbClr val="000000"/>
-                </a:solidFill>
-                <a:latin typeface="Inter"/>
-                <a:ea typeface="Inter"/>
-                <a:cs typeface="Inter"/>
-                <a:sym typeface="Inter"/>
-              </a:rPr>
-              <a:t>Implementazione</a:t>
-            </a:r>
-          </a:p>
-          <a:p>
-            <a:pPr marL="388620" lvl="1" indent="-194310" algn="l">
-              <a:lnSpc>
-                <a:spcPts val="2519"/>
-              </a:lnSpc>
-              <a:buFont typeface="Arial"/>
-              <a:buChar char="•"/>
-            </a:pPr>
-            <a:r>
-              <a:rPr lang="en-US" sz="1799">
-                <a:solidFill>
-                  <a:srgbClr val="000000"/>
-                </a:solidFill>
-                <a:latin typeface="Inter"/>
-                <a:ea typeface="Inter"/>
-                <a:cs typeface="Inter"/>
-                <a:sym typeface="Inter"/>
-              </a:rPr>
-              <a:t>Testing</a:t>
-            </a:r>
-          </a:p>
-          <a:p>
-            <a:pPr algn="l">
-              <a:lnSpc>
-                <a:spcPts val="2519"/>
-              </a:lnSpc>
-            </a:pPr>
-            <a:endParaRPr lang="en-US" sz="1799">
+              <a:t>Documentazione</a:t>
+            </a:r>
+            <a:endParaRPr lang="en-US" sz="1799" dirty="0">
               <a:solidFill>
                 <a:srgbClr val="000000"/>
               </a:solidFill>
@@ -5462,12 +5758,109 @@
             </a:endParaRPr>
           </a:p>
           <a:p>
+            <a:pPr marL="388620" lvl="1" indent="-194310" algn="l">
+              <a:lnSpc>
+                <a:spcPts val="2519"/>
+              </a:lnSpc>
+              <a:buFont typeface="Arial"/>
+              <a:buChar char="•"/>
+            </a:pPr>
+            <a:r>
+              <a:rPr lang="en-US" sz="1799" dirty="0" err="1">
+                <a:solidFill>
+                  <a:srgbClr val="000000"/>
+                </a:solidFill>
+                <a:latin typeface="Inter"/>
+                <a:ea typeface="Inter"/>
+                <a:cs typeface="Inter"/>
+                <a:sym typeface="Inter"/>
+              </a:rPr>
+              <a:t>Progettazione</a:t>
+            </a:r>
+            <a:endParaRPr lang="en-US" sz="1799" dirty="0">
+              <a:solidFill>
+                <a:srgbClr val="000000"/>
+              </a:solidFill>
+              <a:latin typeface="Inter"/>
+              <a:ea typeface="Inter"/>
+              <a:cs typeface="Inter"/>
+              <a:sym typeface="Inter"/>
+            </a:endParaRPr>
+          </a:p>
+          <a:p>
+            <a:pPr marL="388620" lvl="1" indent="-194310" algn="l">
+              <a:lnSpc>
+                <a:spcPts val="2519"/>
+              </a:lnSpc>
+              <a:buFont typeface="Arial"/>
+              <a:buChar char="•"/>
+            </a:pPr>
+            <a:r>
+              <a:rPr lang="en-US" sz="1799" dirty="0" err="1">
+                <a:solidFill>
+                  <a:srgbClr val="000000"/>
+                </a:solidFill>
+                <a:latin typeface="Inter"/>
+                <a:ea typeface="Inter"/>
+                <a:cs typeface="Inter"/>
+                <a:sym typeface="Inter"/>
+              </a:rPr>
+              <a:t>Implementazione</a:t>
+            </a:r>
+            <a:endParaRPr lang="en-US" sz="1799" dirty="0">
+              <a:solidFill>
+                <a:srgbClr val="000000"/>
+              </a:solidFill>
+              <a:latin typeface="Inter"/>
+              <a:ea typeface="Inter"/>
+              <a:cs typeface="Inter"/>
+              <a:sym typeface="Inter"/>
+            </a:endParaRPr>
+          </a:p>
+          <a:p>
+            <a:pPr marL="388620" lvl="1" indent="-194310" algn="l">
+              <a:lnSpc>
+                <a:spcPts val="2519"/>
+              </a:lnSpc>
+              <a:buFont typeface="Arial"/>
+              <a:buChar char="•"/>
+            </a:pPr>
+            <a:r>
+              <a:rPr lang="en-US" sz="1799" dirty="0">
+                <a:solidFill>
+                  <a:srgbClr val="000000"/>
+                </a:solidFill>
+                <a:latin typeface="Inter"/>
+                <a:ea typeface="Inter"/>
+                <a:cs typeface="Inter"/>
+                <a:sym typeface="Inter"/>
+              </a:rPr>
+              <a:t>Testing</a:t>
+            </a:r>
+          </a:p>
+          <a:p>
             <a:pPr algn="l">
               <a:lnSpc>
                 <a:spcPts val="2519"/>
               </a:lnSpc>
             </a:pPr>
-            <a:endParaRPr lang="en-US" sz="1799">
+            <a:endParaRPr lang="en-US" sz="1799" dirty="0">
+              <a:solidFill>
+                <a:srgbClr val="000000"/>
+              </a:solidFill>
+              <a:latin typeface="Inter"/>
+              <a:ea typeface="Inter"/>
+              <a:cs typeface="Inter"/>
+              <a:sym typeface="Inter"/>
+            </a:endParaRPr>
+          </a:p>
+          <a:p>
+            <a:pPr algn="l">
+              <a:lnSpc>
+                <a:spcPts val="2519"/>
+              </a:lnSpc>
+            </a:pPr>
+            <a:endParaRPr lang="en-US" sz="1799" dirty="0">
               <a:solidFill>
                 <a:srgbClr val="000000"/>
               </a:solidFill>
@@ -9794,7 +10187,7 @@
         <p:spPr>
           <a:xfrm>
             <a:off x="3029218" y="3739515"/>
-            <a:ext cx="12229564" cy="3188970"/>
+            <a:ext cx="12229564" cy="3129062"/>
           </a:xfrm>
           <a:prstGeom prst="rect">
             <a:avLst/>
@@ -9812,7 +10205,7 @@
               </a:lnSpc>
             </a:pPr>
             <a:r>
-              <a:rPr lang="en-US" sz="12000">
+              <a:rPr lang="en-US" sz="12000" dirty="0" err="1">
                 <a:solidFill>
                   <a:srgbClr val="000000"/>
                 </a:solidFill>
@@ -9821,8 +10214,45 @@
                 <a:cs typeface="ADA Hybrid"/>
                 <a:sym typeface="ADA Hybrid"/>
               </a:rPr>
-              <a:t>Grazie per l’ascolto</a:t>
-            </a:r>
+              <a:t>Grazie</a:t>
+            </a:r>
+            <a:endParaRPr lang="en-US" sz="12000" dirty="0">
+              <a:solidFill>
+                <a:srgbClr val="000000"/>
+              </a:solidFill>
+              <a:latin typeface="ADA Hybrid"/>
+              <a:ea typeface="ADA Hybrid"/>
+              <a:cs typeface="ADA Hybrid"/>
+              <a:sym typeface="ADA Hybrid"/>
+            </a:endParaRPr>
+          </a:p>
+          <a:p>
+            <a:pPr algn="ctr">
+              <a:lnSpc>
+                <a:spcPts val="12240"/>
+              </a:lnSpc>
+            </a:pPr>
+            <a:r>
+              <a:rPr lang="en-US" sz="12000" dirty="0" err="1">
+                <a:solidFill>
+                  <a:srgbClr val="000000"/>
+                </a:solidFill>
+                <a:latin typeface="ADA Hybrid"/>
+                <a:ea typeface="ADA Hybrid"/>
+                <a:cs typeface="ADA Hybrid"/>
+                <a:sym typeface="ADA Hybrid"/>
+              </a:rPr>
+              <a:t>dell’attenzione</a:t>
+            </a:r>
+            <a:endParaRPr lang="en-US" sz="12000" dirty="0">
+              <a:solidFill>
+                <a:srgbClr val="000000"/>
+              </a:solidFill>
+              <a:latin typeface="ADA Hybrid"/>
+              <a:ea typeface="ADA Hybrid"/>
+              <a:cs typeface="ADA Hybrid"/>
+              <a:sym typeface="ADA Hybrid"/>
+            </a:endParaRPr>
           </a:p>
         </p:txBody>
       </p:sp>
